--- a/Selección de características en modelos predictivos.pptx
+++ b/Selección de características en modelos predictivos.pptx
@@ -9071,13 +9071,25 @@
         </p:nvSpPr>
         <p:spPr/>
         <p:txBody>
-          <a:bodyPr/>
-          <a:lstStyle/>
-          <a:p>
-            <a:pPr marL="0" indent="0">
-              <a:buNone/>
-            </a:pPr>
-            <a:endParaRPr lang="en-GB" dirty="0"/>
+          <a:bodyPr>
+            <a:normAutofit/>
+          </a:bodyPr>
+          <a:lstStyle/>
+          <a:p>
+            <a:pPr marL="0" indent="0">
+              <a:buNone/>
+            </a:pPr>
+            <a:r>
+              <a:rPr lang="es-ES" sz="2400" dirty="0">
+                <a:latin typeface="Arial" panose="020B0604020202020204" pitchFamily="34" charset="0"/>
+                <a:cs typeface="Arial" panose="020B0604020202020204" pitchFamily="34" charset="0"/>
+              </a:rPr>
+              <a:t>En los experimentos realizados se observa que los mejores rendimientos se obtienen con subconjuntos de variables pequeños. </a:t>
+            </a:r>
+            <a:endParaRPr lang="en-GB" sz="2400" dirty="0">
+              <a:latin typeface="Arial" panose="020B0604020202020204" pitchFamily="34" charset="0"/>
+              <a:cs typeface="Arial" panose="020B0604020202020204" pitchFamily="34" charset="0"/>
+            </a:endParaRPr>
           </a:p>
         </p:txBody>
       </p:sp>
